--- a/capstone.pptx
+++ b/capstone.pptx
@@ -8,6 +8,8 @@
     <p:sldId id="257" r:id="rId2"/>
     <p:sldId id="259" r:id="rId3"/>
     <p:sldId id="260" r:id="rId4"/>
+    <p:sldId id="261" r:id="rId5"/>
+    <p:sldId id="262" r:id="rId6"/>
   </p:sldIdLst>
   <p:sldSz cx="12192000" cy="6858000"/>
   <p:notesSz cx="6858000" cy="9144000"/>
@@ -358,7 +360,7 @@
           <a:p>
             <a:fld id="{9184DA70-C731-4C70-880D-CCD4705E623C}" type="datetime1">
               <a:rPr lang="en-US" smtClean="0"/>
-              <a:t>11/18/2020</a:t>
+              <a:t>11/23/2020</a:t>
             </a:fld>
             <a:endParaRPr lang="en-US" dirty="0"/>
           </a:p>
@@ -546,7 +548,7 @@
           <a:p>
             <a:fld id="{B612A279-0833-481D-8C56-F67FD0AC6C50}" type="datetime1">
               <a:rPr lang="en-US" smtClean="0"/>
-              <a:t>11/18/2020</a:t>
+              <a:t>11/23/2020</a:t>
             </a:fld>
             <a:endParaRPr lang="en-US" dirty="0"/>
           </a:p>
@@ -788,7 +790,7 @@
           <a:p>
             <a:fld id="{6587DA83-5663-4C9C-B9AA-0B40A3DAFF81}" type="datetime1">
               <a:rPr lang="en-US" smtClean="0"/>
-              <a:t>11/18/2020</a:t>
+              <a:t>11/23/2020</a:t>
             </a:fld>
             <a:endParaRPr lang="en-US" dirty="0"/>
           </a:p>
@@ -976,7 +978,7 @@
           <a:p>
             <a:fld id="{4BE1D723-8F53-4F53-90B0-1982A396982E}" type="datetime1">
               <a:rPr lang="en-US" smtClean="0"/>
-              <a:t>11/18/2020</a:t>
+              <a:t>11/23/2020</a:t>
             </a:fld>
             <a:endParaRPr lang="en-US" dirty="0"/>
           </a:p>
@@ -1349,7 +1351,7 @@
           <a:p>
             <a:fld id="{97669AF7-7BEB-44E4-9852-375E34362B5B}" type="datetime1">
               <a:rPr lang="en-US" smtClean="0"/>
-              <a:t>11/18/2020</a:t>
+              <a:t>11/23/2020</a:t>
             </a:fld>
             <a:endParaRPr lang="en-US" dirty="0"/>
           </a:p>
@@ -1604,7 +1606,7 @@
           <a:p>
             <a:fld id="{BAAAC38D-0552-4C82-B593-E6124DFADBE2}" type="datetime1">
               <a:rPr lang="en-US" smtClean="0"/>
-              <a:t>11/18/2020</a:t>
+              <a:t>11/23/2020</a:t>
             </a:fld>
             <a:endParaRPr lang="en-US" dirty="0"/>
           </a:p>
@@ -2001,7 +2003,7 @@
           <a:p>
             <a:fld id="{D9DF0F1C-5577-4ACB-BB62-DF8F3C494C7E}" type="datetime1">
               <a:rPr lang="en-US" smtClean="0"/>
-              <a:t>11/18/2020</a:t>
+              <a:t>11/23/2020</a:t>
             </a:fld>
             <a:endParaRPr lang="en-US" dirty="0"/>
           </a:p>
@@ -2137,7 +2139,7 @@
           <a:p>
             <a:fld id="{1775B394-D9F9-4F0C-B15D-605F45CB9E9F}" type="datetime1">
               <a:rPr lang="en-US" smtClean="0"/>
-              <a:t>11/18/2020</a:t>
+              <a:t>11/23/2020</a:t>
             </a:fld>
             <a:endParaRPr lang="en-US" dirty="0"/>
           </a:p>
@@ -2294,7 +2296,7 @@
           <a:p>
             <a:fld id="{39667345-2558-425A-8533-9BFDBCE15005}" type="datetime1">
               <a:rPr lang="en-US" smtClean="0"/>
-              <a:t>11/18/2020</a:t>
+              <a:t>11/23/2020</a:t>
             </a:fld>
             <a:endParaRPr lang="en-US" dirty="0"/>
           </a:p>
@@ -2623,7 +2625,7 @@
           <a:p>
             <a:fld id="{92BEA474-078D-4E9B-9B14-09A87B19DC46}" type="datetime1">
               <a:rPr lang="en-US" smtClean="0"/>
-              <a:t>11/18/2020</a:t>
+              <a:t>11/23/2020</a:t>
             </a:fld>
             <a:endParaRPr lang="en-US" dirty="0"/>
           </a:p>
@@ -2973,7 +2975,7 @@
           <a:p>
             <a:fld id="{4907D986-8816-4272-A432-0437A28A9828}" type="datetime1">
               <a:rPr lang="en-US" smtClean="0"/>
-              <a:t>11/18/2020</a:t>
+              <a:t>11/23/2020</a:t>
             </a:fld>
             <a:endParaRPr lang="en-US" dirty="0"/>
           </a:p>
@@ -3234,7 +3236,7 @@
           <a:p>
             <a:fld id="{62D6E202-B606-4609-B914-27C9371A1F6D}" type="datetime1">
               <a:rPr lang="en-US" smtClean="0"/>
-              <a:t>11/18/2020</a:t>
+              <a:t>11/23/2020</a:t>
             </a:fld>
             <a:endParaRPr lang="en-US" dirty="0"/>
           </a:p>
@@ -4310,6 +4312,295 @@
 </p:sld>
 </file>
 
+<file path=ppt/slides/slide4.xml><?xml version="1.0" encoding="utf-8"?>
+<p:sld xmlns:a="http://schemas.openxmlformats.org/drawingml/2006/main" xmlns:r="http://schemas.openxmlformats.org/officeDocument/2006/relationships" xmlns:p="http://schemas.openxmlformats.org/presentationml/2006/main">
+  <p:cSld>
+    <p:spTree>
+      <p:nvGrpSpPr>
+        <p:cNvPr id="1" name=""/>
+        <p:cNvGrpSpPr/>
+        <p:nvPr/>
+      </p:nvGrpSpPr>
+      <p:grpSpPr>
+        <a:xfrm>
+          <a:off x="0" y="0"/>
+          <a:ext cx="0" cy="0"/>
+          <a:chOff x="0" y="0"/>
+          <a:chExt cx="0" cy="0"/>
+        </a:xfrm>
+      </p:grpSpPr>
+      <p:sp>
+        <p:nvSpPr>
+          <p:cNvPr id="2" name="Title 1">
+            <a:extLst>
+              <a:ext uri="{FF2B5EF4-FFF2-40B4-BE49-F238E27FC236}">
+                <a16:creationId xmlns:a16="http://schemas.microsoft.com/office/drawing/2014/main" id="{31F6DA83-71E3-4457-8E01-502BFB1A5E11}"/>
+              </a:ext>
+            </a:extLst>
+          </p:cNvPr>
+          <p:cNvSpPr>
+            <a:spLocks noGrp="1"/>
+          </p:cNvSpPr>
+          <p:nvPr>
+            <p:ph type="title"/>
+          </p:nvPr>
+        </p:nvSpPr>
+        <p:spPr/>
+        <p:txBody>
+          <a:bodyPr/>
+          <a:lstStyle/>
+          <a:p>
+            <a:r>
+              <a:rPr lang="en-CA" dirty="0"/>
+              <a:t>Methodology</a:t>
+            </a:r>
+          </a:p>
+        </p:txBody>
+      </p:sp>
+      <p:sp>
+        <p:nvSpPr>
+          <p:cNvPr id="4" name="Content Placeholder 3">
+            <a:extLst>
+              <a:ext uri="{FF2B5EF4-FFF2-40B4-BE49-F238E27FC236}">
+                <a16:creationId xmlns:a16="http://schemas.microsoft.com/office/drawing/2014/main" id="{09C486D5-2EED-4F8D-A975-7AC18BC74925}"/>
+              </a:ext>
+            </a:extLst>
+          </p:cNvPr>
+          <p:cNvSpPr>
+            <a:spLocks noGrp="1"/>
+          </p:cNvSpPr>
+          <p:nvPr>
+            <p:ph sz="half" idx="2"/>
+          </p:nvPr>
+        </p:nvSpPr>
+        <p:spPr>
+          <a:xfrm>
+            <a:off x="1097280" y="2061629"/>
+            <a:ext cx="4639736" cy="2910821"/>
+          </a:xfrm>
+        </p:spPr>
+        <p:txBody>
+          <a:bodyPr/>
+          <a:lstStyle/>
+          <a:p>
+            <a:r>
+              <a:rPr lang="en-CA" dirty="0"/>
+              <a:t>K mean clustering model to identify the nationhood with lower restaurant density</a:t>
+            </a:r>
+          </a:p>
+          <a:p>
+            <a:r>
+              <a:rPr lang="en-CA" sz="1800" dirty="0">
+                <a:effectLst/>
+                <a:latin typeface="Times New Roman" panose="02020603050405020304" pitchFamily="18" charset="0"/>
+                <a:ea typeface="Calibri" panose="020F0502020204030204" pitchFamily="34" charset="0"/>
+                <a:cs typeface="Arial" panose="020B0604020202020204" pitchFamily="34" charset="0"/>
+              </a:rPr>
+              <a:t>cluster 0- red, 1-purpule, 2-blue, 3-green, orange-4</a:t>
+            </a:r>
+            <a:endParaRPr lang="en-CA" sz="1800" dirty="0">
+              <a:effectLst/>
+              <a:latin typeface="Calibri" panose="020F0502020204030204" pitchFamily="34" charset="0"/>
+              <a:ea typeface="Calibri" panose="020F0502020204030204" pitchFamily="34" charset="0"/>
+              <a:cs typeface="Arial" panose="020B0604020202020204" pitchFamily="34" charset="0"/>
+            </a:endParaRPr>
+          </a:p>
+          <a:p>
+            <a:endParaRPr lang="en-CA" dirty="0"/>
+          </a:p>
+        </p:txBody>
+      </p:sp>
+      <p:pic>
+        <p:nvPicPr>
+          <p:cNvPr id="7" name="Picture 6">
+            <a:extLst>
+              <a:ext uri="{FF2B5EF4-FFF2-40B4-BE49-F238E27FC236}">
+                <a16:creationId xmlns:a16="http://schemas.microsoft.com/office/drawing/2014/main" id="{3AC28476-F861-4783-92F2-A3102ECF7F69}"/>
+              </a:ext>
+            </a:extLst>
+          </p:cNvPr>
+          <p:cNvPicPr/>
+          <p:nvPr/>
+        </p:nvPicPr>
+        <p:blipFill>
+          <a:blip r:embed="rId2"/>
+          <a:stretch>
+            <a:fillRect/>
+          </a:stretch>
+        </p:blipFill>
+        <p:spPr>
+          <a:xfrm>
+            <a:off x="5663213" y="2061629"/>
+            <a:ext cx="5943600" cy="3597275"/>
+          </a:xfrm>
+          <a:prstGeom prst="rect">
+            <a:avLst/>
+          </a:prstGeom>
+        </p:spPr>
+      </p:pic>
+      <p:pic>
+        <p:nvPicPr>
+          <p:cNvPr id="8" name="Picture 7">
+            <a:extLst>
+              <a:ext uri="{FF2B5EF4-FFF2-40B4-BE49-F238E27FC236}">
+                <a16:creationId xmlns:a16="http://schemas.microsoft.com/office/drawing/2014/main" id="{211C3A6A-708B-460E-9F22-8730494D1AF9}"/>
+              </a:ext>
+            </a:extLst>
+          </p:cNvPr>
+          <p:cNvPicPr/>
+          <p:nvPr/>
+        </p:nvPicPr>
+        <p:blipFill>
+          <a:blip r:embed="rId3"/>
+          <a:stretch>
+            <a:fillRect/>
+          </a:stretch>
+        </p:blipFill>
+        <p:spPr>
+          <a:xfrm>
+            <a:off x="2461056" y="3686575"/>
+            <a:ext cx="1162050" cy="1285875"/>
+          </a:xfrm>
+          <a:prstGeom prst="rect">
+            <a:avLst/>
+          </a:prstGeom>
+        </p:spPr>
+      </p:pic>
+    </p:spTree>
+    <p:extLst>
+      <p:ext uri="{BB962C8B-B14F-4D97-AF65-F5344CB8AC3E}">
+        <p14:creationId xmlns:p14="http://schemas.microsoft.com/office/powerpoint/2010/main" val="423662585"/>
+      </p:ext>
+    </p:extLst>
+  </p:cSld>
+  <p:clrMapOvr>
+    <a:masterClrMapping/>
+  </p:clrMapOvr>
+</p:sld>
+</file>
+
+<file path=ppt/slides/slide5.xml><?xml version="1.0" encoding="utf-8"?>
+<p:sld xmlns:a="http://schemas.openxmlformats.org/drawingml/2006/main" xmlns:r="http://schemas.openxmlformats.org/officeDocument/2006/relationships" xmlns:p="http://schemas.openxmlformats.org/presentationml/2006/main">
+  <p:cSld>
+    <p:spTree>
+      <p:nvGrpSpPr>
+        <p:cNvPr id="1" name=""/>
+        <p:cNvGrpSpPr/>
+        <p:nvPr/>
+      </p:nvGrpSpPr>
+      <p:grpSpPr>
+        <a:xfrm>
+          <a:off x="0" y="0"/>
+          <a:ext cx="0" cy="0"/>
+          <a:chOff x="0" y="0"/>
+          <a:chExt cx="0" cy="0"/>
+        </a:xfrm>
+      </p:grpSpPr>
+      <p:sp>
+        <p:nvSpPr>
+          <p:cNvPr id="2" name="Title 1">
+            <a:extLst>
+              <a:ext uri="{FF2B5EF4-FFF2-40B4-BE49-F238E27FC236}">
+                <a16:creationId xmlns:a16="http://schemas.microsoft.com/office/drawing/2014/main" id="{651AE937-4DDA-42CA-854A-F558FE60786C}"/>
+              </a:ext>
+            </a:extLst>
+          </p:cNvPr>
+          <p:cNvSpPr>
+            <a:spLocks noGrp="1"/>
+          </p:cNvSpPr>
+          <p:nvPr>
+            <p:ph type="title"/>
+          </p:nvPr>
+        </p:nvSpPr>
+        <p:spPr/>
+        <p:txBody>
+          <a:bodyPr/>
+          <a:lstStyle/>
+          <a:p>
+            <a:r>
+              <a:rPr lang="en-CA" dirty="0"/>
+              <a:t>List of restaurant types</a:t>
+            </a:r>
+          </a:p>
+        </p:txBody>
+      </p:sp>
+      <p:sp>
+        <p:nvSpPr>
+          <p:cNvPr id="4" name="Content Placeholder 3">
+            <a:extLst>
+              <a:ext uri="{FF2B5EF4-FFF2-40B4-BE49-F238E27FC236}">
+                <a16:creationId xmlns:a16="http://schemas.microsoft.com/office/drawing/2014/main" id="{68DE58C7-1CF8-4759-A0EF-1628795E4D50}"/>
+              </a:ext>
+            </a:extLst>
+          </p:cNvPr>
+          <p:cNvSpPr>
+            <a:spLocks noGrp="1"/>
+          </p:cNvSpPr>
+          <p:nvPr>
+            <p:ph sz="half" idx="2"/>
+          </p:nvPr>
+        </p:nvSpPr>
+        <p:spPr>
+          <a:xfrm>
+            <a:off x="1097279" y="2201662"/>
+            <a:ext cx="9209695" cy="3667433"/>
+          </a:xfrm>
+        </p:spPr>
+        <p:txBody>
+          <a:bodyPr/>
+          <a:lstStyle/>
+          <a:p>
+            <a:r>
+              <a:rPr lang="en-CA" dirty="0"/>
+              <a:t>For each neighborhood we are able to generate a list of restaurant types that will be most successful in the selected area. Overall potential business owners should avoid the orange areas as they have the highest restaurant density</a:t>
+            </a:r>
+          </a:p>
+          <a:p>
+            <a:endParaRPr lang="en-CA" dirty="0"/>
+          </a:p>
+        </p:txBody>
+      </p:sp>
+      <p:pic>
+        <p:nvPicPr>
+          <p:cNvPr id="7" name="Picture 6">
+            <a:extLst>
+              <a:ext uri="{FF2B5EF4-FFF2-40B4-BE49-F238E27FC236}">
+                <a16:creationId xmlns:a16="http://schemas.microsoft.com/office/drawing/2014/main" id="{C394D5EB-D101-432A-B990-9C2302615593}"/>
+              </a:ext>
+            </a:extLst>
+          </p:cNvPr>
+          <p:cNvPicPr/>
+          <p:nvPr/>
+        </p:nvPicPr>
+        <p:blipFill>
+          <a:blip r:embed="rId2"/>
+          <a:stretch>
+            <a:fillRect/>
+          </a:stretch>
+        </p:blipFill>
+        <p:spPr>
+          <a:xfrm>
+            <a:off x="2429164" y="3550404"/>
+            <a:ext cx="7020915" cy="1594251"/>
+          </a:xfrm>
+          <a:prstGeom prst="rect">
+            <a:avLst/>
+          </a:prstGeom>
+        </p:spPr>
+      </p:pic>
+    </p:spTree>
+    <p:extLst>
+      <p:ext uri="{BB962C8B-B14F-4D97-AF65-F5344CB8AC3E}">
+        <p14:creationId xmlns:p14="http://schemas.microsoft.com/office/powerpoint/2010/main" val="2349226893"/>
+      </p:ext>
+    </p:extLst>
+  </p:cSld>
+  <p:clrMapOvr>
+    <a:masterClrMapping/>
+  </p:clrMapOvr>
+</p:sld>
+</file>
+
 <file path=ppt/theme/theme1.xml><?xml version="1.0" encoding="utf-8"?>
 <a:theme xmlns:a="http://schemas.openxmlformats.org/drawingml/2006/main" name="1_RetrospectVTI">
   <a:themeElements>
